--- a/docs/DUpload.pptx
+++ b/docs/DUpload.pptx
@@ -135,6 +135,9 @@
     <p:ext uri="{EFAFB233-063F-42B5-8137-9DF3F51BA10A}">
       <p15:sldGuideLst xmlns:p15="http://schemas.microsoft.com/office/powerpoint/2012/main"/>
     </p:ext>
+    <p:ext uri="{2D200454-40CA-4A62-9FC3-DE9A4176ACB9}">
+      <p15:notesGuideLst xmlns:p15="http://schemas.microsoft.com/office/powerpoint/2012/main"/>
+    </p:ext>
   </p:extLst>
 </p:presentation>
 </file>
@@ -221,7 +224,7 @@
           <a:p>
             <a:fld id="{4D2A5A54-57FA-4281-A6F5-1860CF48FA07}" type="datetimeFigureOut">
               <a:rPr lang="en-US" smtClean="0"/>
-              <a:t>11/18/2019</a:t>
+              <a:t>1/25/2021</a:t>
             </a:fld>
             <a:endParaRPr lang="en-US"/>
           </a:p>
@@ -9943,7 +9946,7 @@
             </a:pPr>
             <a:r>
               <a:rPr lang="en-US" dirty="0"/>
-              <a:t>Export your project to Door43.</a:t>
+              <a:t>Export your project to WACS.</a:t>
             </a:r>
           </a:p>
           <a:p>
@@ -21856,6 +21859,21 @@
 </file>
 
 <file path=customXml/item1.xml><?xml version="1.0" encoding="utf-8"?>
+<p:properties xmlns:p="http://schemas.microsoft.com/office/2006/metadata/properties" xmlns:xsi="http://www.w3.org/2001/XMLSchema-instance" xmlns:pc="http://schemas.microsoft.com/office/infopath/2007/PartnerControls">
+  <documentManagement/>
+</p:properties>
+</file>
+
+<file path=customXml/item2.xml><?xml version="1.0" encoding="utf-8"?>
+<?mso-contentType ?>
+<FormTemplates xmlns="http://schemas.microsoft.com/sharepoint/v3/contenttype/forms">
+  <Display>DocumentLibraryForm</Display>
+  <Edit>DocumentLibraryForm</Edit>
+  <New>DocumentLibraryForm</New>
+</FormTemplates>
+</file>
+
+<file path=customXml/item3.xml><?xml version="1.0" encoding="utf-8"?>
 <ct:contentTypeSchema xmlns:ct="http://schemas.microsoft.com/office/2006/metadata/contentType" xmlns:ma="http://schemas.microsoft.com/office/2006/metadata/properties/metaAttributes" ct:_="" ma:_="" ma:contentTypeName="Document" ma:contentTypeID="0x0101005AB3623AC358204B8459D60480BA9C2B" ma:contentTypeVersion="12" ma:contentTypeDescription="Create a new document." ma:contentTypeScope="" ma:versionID="d3005fe9c78495323023aeced5280a50">
   <xsd:schema xmlns:xsd="http://www.w3.org/2001/XMLSchema" xmlns:xs="http://www.w3.org/2001/XMLSchema" xmlns:p="http://schemas.microsoft.com/office/2006/metadata/properties" xmlns:ns3="e6b6b08c-4e37-4703-b140-b9e21b970c4f" xmlns:ns4="63ebc9d3-73c5-43d0-b794-270dc3c2d1a0" targetNamespace="http://schemas.microsoft.com/office/2006/metadata/properties" ma:root="true" ma:fieldsID="0b9151cbda91d7d860fe7297b2c5ad24" ns3:_="" ns4:_="">
     <xsd:import namespace="e6b6b08c-4e37-4703-b140-b9e21b970c4f"/>
@@ -22072,22 +22090,32 @@
 </ct:contentTypeSchema>
 </file>
 
-<file path=customXml/item2.xml><?xml version="1.0" encoding="utf-8"?>
-<?mso-contentType ?>
-<FormTemplates xmlns="http://schemas.microsoft.com/sharepoint/v3/contenttype/forms">
-  <Display>DocumentLibraryForm</Display>
-  <Edit>DocumentLibraryForm</Edit>
-  <New>DocumentLibraryForm</New>
-</FormTemplates>
+<file path=customXml/itemProps1.xml><?xml version="1.0" encoding="utf-8"?>
+<ds:datastoreItem xmlns:ds="http://schemas.openxmlformats.org/officeDocument/2006/customXml" ds:itemID="{D6405D58-8AA8-4FB2-A549-3AE7234CE79B}">
+  <ds:schemaRefs>
+    <ds:schemaRef ds:uri="http://schemas.microsoft.com/office/2006/documentManagement/types"/>
+    <ds:schemaRef ds:uri="e6b6b08c-4e37-4703-b140-b9e21b970c4f"/>
+    <ds:schemaRef ds:uri="http://schemas.openxmlformats.org/package/2006/metadata/core-properties"/>
+    <ds:schemaRef ds:uri="http://purl.org/dc/elements/1.1/"/>
+    <ds:schemaRef ds:uri="http://schemas.microsoft.com/office/infopath/2007/PartnerControls"/>
+    <ds:schemaRef ds:uri="http://schemas.microsoft.com/office/2006/metadata/properties"/>
+    <ds:schemaRef ds:uri="http://purl.org/dc/terms/"/>
+    <ds:schemaRef ds:uri="63ebc9d3-73c5-43d0-b794-270dc3c2d1a0"/>
+    <ds:schemaRef ds:uri="http://www.w3.org/XML/1998/namespace"/>
+    <ds:schemaRef ds:uri="http://purl.org/dc/dcmitype/"/>
+  </ds:schemaRefs>
+</ds:datastoreItem>
 </file>
 
-<file path=customXml/item3.xml><?xml version="1.0" encoding="utf-8"?>
-<p:properties xmlns:p="http://schemas.microsoft.com/office/2006/metadata/properties" xmlns:xsi="http://www.w3.org/2001/XMLSchema-instance" xmlns:pc="http://schemas.microsoft.com/office/infopath/2007/PartnerControls">
-  <documentManagement/>
-</p:properties>
+<file path=customXml/itemProps2.xml><?xml version="1.0" encoding="utf-8"?>
+<ds:datastoreItem xmlns:ds="http://schemas.openxmlformats.org/officeDocument/2006/customXml" ds:itemID="{64CFF4CB-2157-4462-882E-7C7509AE6A60}">
+  <ds:schemaRefs>
+    <ds:schemaRef ds:uri="http://schemas.microsoft.com/sharepoint/v3/contenttype/forms"/>
+  </ds:schemaRefs>
+</ds:datastoreItem>
 </file>
 
-<file path=customXml/itemProps1.xml><?xml version="1.0" encoding="utf-8"?>
+<file path=customXml/itemProps3.xml><?xml version="1.0" encoding="utf-8"?>
 <ds:datastoreItem xmlns:ds="http://schemas.openxmlformats.org/officeDocument/2006/customXml" ds:itemID="{EEEB1E18-1527-4724-AEDB-E4EBC76D73AB}">
   <ds:schemaRefs>
     <ds:schemaRef ds:uri="http://schemas.microsoft.com/office/2006/metadata/contentType"/>
@@ -22104,29 +22132,4 @@
     <ds:schemaRef ds:uri="http://schemas.microsoft.com/internal/obd"/>
   </ds:schemaRefs>
 </ds:datastoreItem>
-</file>
-
-<file path=customXml/itemProps2.xml><?xml version="1.0" encoding="utf-8"?>
-<ds:datastoreItem xmlns:ds="http://schemas.openxmlformats.org/officeDocument/2006/customXml" ds:itemID="{64CFF4CB-2157-4462-882E-7C7509AE6A60}">
-  <ds:schemaRefs>
-    <ds:schemaRef ds:uri="http://schemas.microsoft.com/sharepoint/v3/contenttype/forms"/>
-  </ds:schemaRefs>
-</ds:datastoreItem>
-</file>
-
-<file path=customXml/itemProps3.xml><?xml version="1.0" encoding="utf-8"?>
-<ds:datastoreItem xmlns:ds="http://schemas.openxmlformats.org/officeDocument/2006/customXml" ds:itemID="{D6405D58-8AA8-4FB2-A549-3AE7234CE79B}">
-  <ds:schemaRefs>
-    <ds:schemaRef ds:uri="http://schemas.microsoft.com/office/2006/documentManagement/types"/>
-    <ds:schemaRef ds:uri="e6b6b08c-4e37-4703-b140-b9e21b970c4f"/>
-    <ds:schemaRef ds:uri="http://schemas.openxmlformats.org/package/2006/metadata/core-properties"/>
-    <ds:schemaRef ds:uri="http://purl.org/dc/elements/1.1/"/>
-    <ds:schemaRef ds:uri="http://schemas.microsoft.com/office/infopath/2007/PartnerControls"/>
-    <ds:schemaRef ds:uri="http://schemas.microsoft.com/office/2006/metadata/properties"/>
-    <ds:schemaRef ds:uri="http://purl.org/dc/terms/"/>
-    <ds:schemaRef ds:uri="63ebc9d3-73c5-43d0-b794-270dc3c2d1a0"/>
-    <ds:schemaRef ds:uri="http://www.w3.org/XML/1998/namespace"/>
-    <ds:schemaRef ds:uri="http://purl.org/dc/dcmitype/"/>
-  </ds:schemaRefs>
-</ds:datastoreItem>
 </file>